--- a/handouts/AutomationDemoTopology.pptx
+++ b/handouts/AutomationDemoTopology.pptx
@@ -125,7 +125,7 @@
       </p14:sectionLst>
     </p:ext>
     <p:ext uri="{EFAFB233-063F-42B5-8137-9DF3F51BA10A}">
-      <p15:sldGuideLst xmlns:p15="http://schemas.microsoft.com/office/powerpoint/2012/main" xmlns="">
+      <p15:sldGuideLst xmlns="" xmlns:p15="http://schemas.microsoft.com/office/powerpoint/2012/main">
         <p15:guide id="1" orient="horz" pos="4592">
           <p15:clr>
             <a:srgbClr val="A4A3A4"/>
@@ -179,7 +179,7 @@
       </p15:sldGuideLst>
     </p:ext>
     <p:ext uri="{2D200454-40CA-4A62-9FC3-DE9A4176ACB9}">
-      <p15:notesGuideLst xmlns:p15="http://schemas.microsoft.com/office/powerpoint/2012/main" xmlns="">
+      <p15:notesGuideLst xmlns="" xmlns:p15="http://schemas.microsoft.com/office/powerpoint/2012/main">
         <p15:guide id="1" orient="horz" pos="2951">
           <p15:clr>
             <a:srgbClr val="A4A3A4"/>
@@ -290,7 +290,7 @@
               <a:rPr lang="en-US" smtClean="0">
                 <a:latin typeface="Arial" panose="020B0604020202020204" pitchFamily="34" charset="0"/>
               </a:rPr>
-              <a:t>4/7/15</a:t>
+              <a:t>7/20/15</a:t>
             </a:fld>
             <a:endParaRPr lang="en-US">
               <a:latin typeface="Arial" panose="020B0604020202020204" pitchFamily="34" charset="0"/>
@@ -468,7 +468,7 @@
             <a:fld id="{7B714F60-978E-4B46-A1E7-4610C4949FB2}" type="datetimeFigureOut">
               <a:rPr lang="en-US" smtClean="0"/>
               <a:pPr/>
-              <a:t>4/7/15</a:t>
+              <a:t>7/20/15</a:t>
             </a:fld>
             <a:endParaRPr lang="en-US"/>
           </a:p>
@@ -9362,8 +9362,8 @@
               <a:t>JNPRAutomateDemo</a:t>
             </a:r>
             <a:r>
-              <a:rPr lang="en-US" sz="2400" dirty="0"/>
-              <a:t>-Student/</a:t>
+              <a:rPr lang="en-US" sz="2400" dirty="0" smtClean="0"/>
+              <a:t>-Class/</a:t>
             </a:r>
             <a:endParaRPr lang="en-US" sz="2400" dirty="0"/>
           </a:p>
@@ -9593,7 +9593,7 @@
       </p:sp>
       <p:pic>
         <p:nvPicPr>
-          <p:cNvPr id="5" name="Picture 30" descr="Web.png"/>
+          <p:cNvPr id="6" name="Picture 17" descr="Server 1.png"/>
           <p:cNvPicPr>
             <a:picLocks noChangeAspect="1"/>
           </p:cNvPicPr>
@@ -9614,44 +9614,6 @@
         </p:blipFill>
         <p:spPr bwMode="auto">
           <a:xfrm>
-            <a:off x="3038838" y="2179107"/>
-            <a:ext cx="1323210" cy="990600"/>
-          </a:xfrm>
-          <a:prstGeom prst="rect">
-            <a:avLst/>
-          </a:prstGeom>
-          <a:noFill/>
-          <a:ln w="9525">
-            <a:noFill/>
-            <a:miter lim="800000"/>
-            <a:headEnd/>
-            <a:tailEnd/>
-          </a:ln>
-        </p:spPr>
-      </p:pic>
-      <p:pic>
-        <p:nvPicPr>
-          <p:cNvPr id="6" name="Picture 17" descr="Server 1.png"/>
-          <p:cNvPicPr>
-            <a:picLocks noChangeAspect="1"/>
-          </p:cNvPicPr>
-          <p:nvPr/>
-        </p:nvPicPr>
-        <p:blipFill>
-          <a:blip r:embed="rId3" cstate="print">
-            <a:extLst>
-              <a:ext uri="{28A0092B-C50C-407E-A947-70E740481C1C}">
-                <a14:useLocalDpi xmlns:a14="http://schemas.microsoft.com/office/drawing/2010/main"/>
-              </a:ext>
-            </a:extLst>
-          </a:blip>
-          <a:srcRect/>
-          <a:stretch>
-            <a:fillRect/>
-          </a:stretch>
-        </p:blipFill>
-        <p:spPr bwMode="auto">
-          <a:xfrm>
             <a:off x="3857119" y="6934623"/>
             <a:ext cx="576173" cy="1000147"/>
           </a:xfrm>
@@ -9676,7 +9638,7 @@
           <p:nvPr/>
         </p:nvPicPr>
         <p:blipFill>
-          <a:blip r:embed="rId4" cstate="print"/>
+          <a:blip r:embed="rId3" cstate="print"/>
           <a:srcRect/>
           <a:stretch>
             <a:fillRect/>
@@ -9708,7 +9670,7 @@
           <p:nvPr/>
         </p:nvPicPr>
         <p:blipFill>
-          <a:blip r:embed="rId2" cstate="print">
+          <a:blip r:embed="rId4" cstate="print">
             <a:extLst>
               <a:ext uri="{28A0092B-C50C-407E-A947-70E740481C1C}">
                 <a14:useLocalDpi xmlns:a14="http://schemas.microsoft.com/office/drawing/2010/main"/>
@@ -9839,55 +9801,9 @@
               </a:rPr>
               <a:t>10.10.0.0 /22</a:t>
             </a:r>
-            <a:endParaRPr lang="en-US" sz="1600" dirty="0" smtClean="0">
-              <a:solidFill>
-                <a:schemeClr val="accent2"/>
-              </a:solidFill>
-              <a:latin typeface="Arial"/>
-              <a:cs typeface="Arial"/>
-            </a:endParaRPr>
           </a:p>
         </p:txBody>
       </p:sp>
-      <p:cxnSp>
-        <p:nvCxnSpPr>
-          <p:cNvPr id="12" name="Straight Connector 11"/>
-          <p:cNvCxnSpPr>
-            <a:stCxn id="5" idx="2"/>
-          </p:cNvCxnSpPr>
-          <p:nvPr/>
-        </p:nvCxnSpPr>
-        <p:spPr>
-          <a:xfrm>
-            <a:off x="3700443" y="3169707"/>
-            <a:ext cx="1023" cy="926454"/>
-          </a:xfrm>
-          <a:prstGeom prst="line">
-            <a:avLst/>
-          </a:prstGeom>
-          <a:ln w="57150" cmpd="sng">
-            <a:solidFill>
-              <a:schemeClr val="tx1"/>
-            </a:solidFill>
-            <a:miter lim="800000"/>
-          </a:ln>
-          <a:effectLst/>
-        </p:spPr>
-        <p:style>
-          <a:lnRef idx="2">
-            <a:schemeClr val="accent1"/>
-          </a:lnRef>
-          <a:fillRef idx="0">
-            <a:schemeClr val="accent1"/>
-          </a:fillRef>
-          <a:effectRef idx="1">
-            <a:schemeClr val="accent1"/>
-          </a:effectRef>
-          <a:fontRef idx="minor">
-            <a:schemeClr val="tx1"/>
-          </a:fontRef>
-        </p:style>
-      </p:cxnSp>
       <p:cxnSp>
         <p:nvCxnSpPr>
           <p:cNvPr id="16" name="Straight Connector 15"/>
@@ -9936,7 +9852,7 @@
           <p:nvPr/>
         </p:nvPicPr>
         <p:blipFill>
-          <a:blip r:embed="rId4" cstate="print"/>
+          <a:blip r:embed="rId3" cstate="print"/>
           <a:srcRect/>
           <a:stretch>
             <a:fillRect/>
@@ -10000,14 +9916,14 @@
       </p:cxnSp>
       <p:sp>
         <p:nvSpPr>
-          <p:cNvPr id="21" name="TextBox 20"/>
+          <p:cNvPr id="22" name="TextBox 21"/>
           <p:cNvSpPr txBox="1"/>
           <p:nvPr/>
         </p:nvSpPr>
         <p:spPr>
           <a:xfrm>
-            <a:off x="2043374" y="3161878"/>
-            <a:ext cx="1535458" cy="493390"/>
+            <a:off x="6525007" y="3160320"/>
+            <a:ext cx="1960288" cy="493390"/>
           </a:xfrm>
           <a:prstGeom prst="rect">
             <a:avLst/>
@@ -10036,7 +9952,27 @@
                 <a:latin typeface="Arial"/>
                 <a:cs typeface="Arial"/>
               </a:rPr>
-              <a:t>Public Server:</a:t>
+              <a:t>Head End </a:t>
+            </a:r>
+            <a:r>
+              <a:rPr lang="en-US" sz="1600" b="1" dirty="0" err="1" smtClean="0">
+                <a:solidFill>
+                  <a:schemeClr val="accent2"/>
+                </a:solidFill>
+                <a:latin typeface="Arial"/>
+                <a:cs typeface="Arial"/>
+              </a:rPr>
+              <a:t>Untrust</a:t>
+            </a:r>
+            <a:r>
+              <a:rPr lang="en-US" sz="1600" b="1" dirty="0" smtClean="0">
+                <a:solidFill>
+                  <a:schemeClr val="accent2"/>
+                </a:solidFill>
+                <a:latin typeface="Arial"/>
+                <a:cs typeface="Arial"/>
+              </a:rPr>
+              <a:t>:</a:t>
             </a:r>
           </a:p>
           <a:p>
@@ -10053,102 +9989,8 @@
                 <a:latin typeface="Arial"/>
                 <a:cs typeface="Arial"/>
               </a:rPr>
-              <a:t>10.10.0.10</a:t>
-            </a:r>
-            <a:endParaRPr lang="en-US" sz="1600" dirty="0" smtClean="0">
-              <a:solidFill>
-                <a:schemeClr val="accent2"/>
-              </a:solidFill>
-              <a:latin typeface="Arial"/>
-              <a:cs typeface="Arial"/>
-            </a:endParaRPr>
-          </a:p>
-        </p:txBody>
-      </p:sp>
-      <p:sp>
-        <p:nvSpPr>
-          <p:cNvPr id="22" name="TextBox 21"/>
-          <p:cNvSpPr txBox="1"/>
-          <p:nvPr/>
-        </p:nvSpPr>
-        <p:spPr>
-          <a:xfrm>
-            <a:off x="6525007" y="3160320"/>
-            <a:ext cx="1960288" cy="493390"/>
-          </a:xfrm>
-          <a:prstGeom prst="rect">
-            <a:avLst/>
-          </a:prstGeom>
-          <a:noFill/>
-          <a:ln>
-            <a:noFill/>
-          </a:ln>
-        </p:spPr>
-        <p:txBody>
-          <a:bodyPr wrap="square" lIns="45643" tIns="22821" rIns="45643" bIns="22821" rtlCol="0">
-            <a:spAutoFit/>
-          </a:bodyPr>
-          <a:lstStyle/>
-          <a:p>
-            <a:pPr algn="l">
-              <a:lnSpc>
-                <a:spcPct val="90000"/>
-              </a:lnSpc>
-            </a:pPr>
-            <a:r>
-              <a:rPr lang="en-US" sz="1600" b="1" dirty="0" smtClean="0">
-                <a:solidFill>
-                  <a:schemeClr val="accent2"/>
-                </a:solidFill>
-                <a:latin typeface="Arial"/>
-                <a:cs typeface="Arial"/>
-              </a:rPr>
-              <a:t>Head End </a:t>
-            </a:r>
-            <a:r>
-              <a:rPr lang="en-US" sz="1600" b="1" dirty="0" err="1" smtClean="0">
-                <a:solidFill>
-                  <a:schemeClr val="accent2"/>
-                </a:solidFill>
-                <a:latin typeface="Arial"/>
-                <a:cs typeface="Arial"/>
-              </a:rPr>
-              <a:t>Untrust</a:t>
-            </a:r>
-            <a:r>
-              <a:rPr lang="en-US" sz="1600" b="1" dirty="0" smtClean="0">
-                <a:solidFill>
-                  <a:schemeClr val="accent2"/>
-                </a:solidFill>
-                <a:latin typeface="Arial"/>
-                <a:cs typeface="Arial"/>
-              </a:rPr>
-              <a:t>:</a:t>
-            </a:r>
-          </a:p>
-          <a:p>
-            <a:pPr algn="l">
-              <a:lnSpc>
-                <a:spcPct val="90000"/>
-              </a:lnSpc>
-            </a:pPr>
-            <a:r>
-              <a:rPr lang="en-US" sz="1600" dirty="0" smtClean="0">
-                <a:solidFill>
-                  <a:schemeClr val="accent2"/>
-                </a:solidFill>
-                <a:latin typeface="Arial"/>
-                <a:cs typeface="Arial"/>
-              </a:rPr>
               <a:t>10.10.0.5</a:t>
             </a:r>
-            <a:endParaRPr lang="en-US" sz="1600" dirty="0" smtClean="0">
-              <a:solidFill>
-                <a:schemeClr val="accent2"/>
-              </a:solidFill>
-              <a:latin typeface="Arial"/>
-              <a:cs typeface="Arial"/>
-            </a:endParaRPr>
           </a:p>
         </p:txBody>
       </p:sp>
@@ -10209,13 +10051,6 @@
               </a:rPr>
               <a:t>192.168.10.10</a:t>
             </a:r>
-            <a:endParaRPr lang="en-US" sz="1600" dirty="0" smtClean="0">
-              <a:solidFill>
-                <a:schemeClr val="accent2"/>
-              </a:solidFill>
-              <a:latin typeface="Arial"/>
-              <a:cs typeface="Arial"/>
-            </a:endParaRPr>
           </a:p>
         </p:txBody>
       </p:sp>
@@ -10513,13 +10348,6 @@
               </a:rPr>
               <a:t>172.16.0.1</a:t>
             </a:r>
-            <a:endParaRPr lang="en-US" sz="1600" dirty="0" smtClean="0">
-              <a:solidFill>
-                <a:schemeClr val="accent2"/>
-              </a:solidFill>
-              <a:latin typeface="Arial"/>
-              <a:cs typeface="Arial"/>
-            </a:endParaRPr>
           </a:p>
         </p:txBody>
       </p:sp>
@@ -10597,13 +10425,6 @@
               </a:rPr>
               <a:t> 172.16.0.10 </a:t>
             </a:r>
-            <a:endParaRPr lang="en-US" sz="1600" dirty="0" smtClean="0">
-              <a:solidFill>
-                <a:schemeClr val="accent2"/>
-              </a:solidFill>
-              <a:latin typeface="Arial"/>
-              <a:cs typeface="Arial"/>
-            </a:endParaRPr>
           </a:p>
         </p:txBody>
       </p:sp>
@@ -10643,10 +10464,6 @@
               </a:rPr>
               <a:t>Student Vagrant Topology</a:t>
             </a:r>
-            <a:endParaRPr lang="en-US" sz="2000" b="1" dirty="0" smtClean="0">
-              <a:latin typeface="Arial"/>
-              <a:cs typeface="Arial"/>
-            </a:endParaRPr>
           </a:p>
         </p:txBody>
       </p:sp>
@@ -10808,117 +10625,51 @@
               </a:rPr>
               <a:t>Pod Details</a:t>
             </a:r>
-            <a:endParaRPr lang="en-US" sz="2000" b="1" dirty="0" smtClean="0">
-              <a:solidFill>
-                <a:schemeClr val="accent2"/>
-              </a:solidFill>
-              <a:latin typeface="Arial"/>
-              <a:cs typeface="Arial"/>
-            </a:endParaRPr>
           </a:p>
         </p:txBody>
       </p:sp>
-      <p:grpSp>
-        <p:nvGrpSpPr>
-          <p:cNvPr id="54" name="Group 53"/>
-          <p:cNvGrpSpPr/>
+      <p:sp>
+        <p:nvSpPr>
+          <p:cNvPr id="44" name="TextBox 43"/>
+          <p:cNvSpPr txBox="1"/>
           <p:nvPr/>
-        </p:nvGrpSpPr>
-        <p:grpSpPr>
+        </p:nvSpPr>
+        <p:spPr>
           <a:xfrm>
             <a:off x="9720929" y="6112339"/>
-            <a:ext cx="4577321" cy="243578"/>
-            <a:chOff x="10933112" y="5926601"/>
-            <a:chExt cx="4577321" cy="243578"/>
-          </a:xfrm>
-        </p:grpSpPr>
-        <p:sp>
-          <p:nvSpPr>
-            <p:cNvPr id="44" name="TextBox 43"/>
-            <p:cNvSpPr txBox="1"/>
-            <p:nvPr/>
-          </p:nvSpPr>
-          <p:spPr>
-            <a:xfrm>
-              <a:off x="10933112" y="5926601"/>
-              <a:ext cx="1219276" cy="243578"/>
-            </a:xfrm>
-            <a:prstGeom prst="rect">
-              <a:avLst/>
-            </a:prstGeom>
-            <a:ln>
-              <a:noFill/>
-            </a:ln>
-          </p:spPr>
-          <p:txBody>
-            <a:bodyPr wrap="none" lIns="45643" tIns="22821" rIns="45643" bIns="22821" rtlCol="0">
-              <a:spAutoFit/>
-            </a:bodyPr>
-            <a:lstStyle/>
-            <a:p>
-              <a:pPr algn="l">
-                <a:lnSpc>
-                  <a:spcPct val="90000"/>
-                </a:lnSpc>
-              </a:pPr>
-              <a:r>
-                <a:rPr lang="en-US" sz="1400" b="1" dirty="0" smtClean="0">
-                  <a:solidFill>
-                    <a:schemeClr val="accent2"/>
-                  </a:solidFill>
-                  <a:latin typeface="Arial"/>
-                  <a:cs typeface="Arial"/>
-                </a:rPr>
-                <a:t>Pod Number:</a:t>
-              </a:r>
-              <a:endParaRPr lang="en-US" sz="1400" b="1" dirty="0" smtClean="0">
+            <a:ext cx="1219276" cy="243578"/>
+          </a:xfrm>
+          <a:prstGeom prst="rect">
+            <a:avLst/>
+          </a:prstGeom>
+          <a:ln>
+            <a:noFill/>
+          </a:ln>
+        </p:spPr>
+        <p:txBody>
+          <a:bodyPr wrap="none" lIns="45643" tIns="22821" rIns="45643" bIns="22821" rtlCol="0">
+            <a:spAutoFit/>
+          </a:bodyPr>
+          <a:lstStyle/>
+          <a:p>
+            <a:pPr algn="l">
+              <a:lnSpc>
+                <a:spcPct val="90000"/>
+              </a:lnSpc>
+            </a:pPr>
+            <a:r>
+              <a:rPr lang="en-US" sz="1400" b="1" dirty="0" smtClean="0">
                 <a:solidFill>
                   <a:schemeClr val="accent2"/>
                 </a:solidFill>
                 <a:latin typeface="Arial"/>
                 <a:cs typeface="Arial"/>
-              </a:endParaRPr>
-            </a:p>
-          </p:txBody>
-        </p:sp>
-        <p:cxnSp>
-          <p:nvCxnSpPr>
-            <p:cNvPr id="46" name="Straight Connector 45"/>
-            <p:cNvCxnSpPr/>
-            <p:nvPr/>
-          </p:nvCxnSpPr>
-          <p:spPr>
-            <a:xfrm>
-              <a:off x="12354122" y="6112875"/>
-              <a:ext cx="3156311" cy="0"/>
-            </a:xfrm>
-            <a:prstGeom prst="line">
-              <a:avLst/>
-            </a:prstGeom>
-            <a:ln>
-              <a:solidFill>
-                <a:schemeClr val="accent2"/>
-              </a:solidFill>
-              <a:miter lim="800000"/>
-            </a:ln>
-            <a:effectLst/>
-          </p:spPr>
-          <p:style>
-            <a:lnRef idx="2">
-              <a:schemeClr val="accent1"/>
-            </a:lnRef>
-            <a:fillRef idx="0">
-              <a:schemeClr val="accent1"/>
-            </a:fillRef>
-            <a:effectRef idx="1">
-              <a:schemeClr val="accent1"/>
-            </a:effectRef>
-            <a:fontRef idx="minor">
-              <a:schemeClr val="tx1"/>
-            </a:fontRef>
-          </p:style>
-        </p:cxnSp>
-      </p:grpSp>
+              </a:rPr>
+              <a:t>Pod Number:</a:t>
+            </a:r>
+          </a:p>
+        </p:txBody>
+      </p:sp>
       <p:grpSp>
         <p:nvGrpSpPr>
           <p:cNvPr id="53" name="Group 52"/>
@@ -10982,13 +10733,6 @@
                 </a:rPr>
                 <a:t>o0 IP Address:</a:t>
               </a:r>
-              <a:endParaRPr lang="en-US" sz="1400" b="1" dirty="0" smtClean="0">
-                <a:solidFill>
-                  <a:schemeClr val="accent2"/>
-                </a:solidFill>
-                <a:latin typeface="Arial"/>
-                <a:cs typeface="Arial"/>
-              </a:endParaRPr>
             </a:p>
           </p:txBody>
         </p:sp>
@@ -11081,25 +10825,8 @@
                   <a:latin typeface="Arial"/>
                   <a:cs typeface="Arial"/>
                 </a:rPr>
-                <a:t>st0</a:t>
+                <a:t>st0 IP Address:</a:t>
               </a:r>
-              <a:r>
-                <a:rPr lang="en-US" sz="1400" b="1" dirty="0" smtClean="0">
-                  <a:solidFill>
-                    <a:schemeClr val="accent2"/>
-                  </a:solidFill>
-                  <a:latin typeface="Arial"/>
-                  <a:cs typeface="Arial"/>
-                </a:rPr>
-                <a:t> IP Address:</a:t>
-              </a:r>
-              <a:endParaRPr lang="en-US" sz="1400" b="1" dirty="0" smtClean="0">
-                <a:solidFill>
-                  <a:schemeClr val="accent2"/>
-                </a:solidFill>
-                <a:latin typeface="Arial"/>
-                <a:cs typeface="Arial"/>
-              </a:endParaRPr>
             </a:p>
           </p:txBody>
         </p:sp>
@@ -11223,13 +10950,6 @@
               </a:rPr>
               <a:t>IPSec VPN</a:t>
             </a:r>
-            <a:endParaRPr lang="en-US" sz="1600" b="1" dirty="0" smtClean="0">
-              <a:solidFill>
-                <a:srgbClr val="E95E54"/>
-              </a:solidFill>
-              <a:latin typeface="Arial"/>
-              <a:cs typeface="Arial"/>
-            </a:endParaRPr>
           </a:p>
         </p:txBody>
       </p:sp>
@@ -11340,7 +11060,49 @@
               </a:rPr>
               <a:t>VPN</a:t>
             </a:r>
-            <a:endParaRPr lang="en-US" sz="1600" dirty="0" smtClean="0">
+          </a:p>
+        </p:txBody>
+      </p:sp>
+      <p:sp>
+        <p:nvSpPr>
+          <p:cNvPr id="2" name="TextBox 1"/>
+          <p:cNvSpPr txBox="1"/>
+          <p:nvPr/>
+        </p:nvSpPr>
+        <p:spPr>
+          <a:xfrm>
+            <a:off x="12449069" y="6099193"/>
+            <a:ext cx="192027" cy="243578"/>
+          </a:xfrm>
+          <a:prstGeom prst="rect">
+            <a:avLst/>
+          </a:prstGeom>
+          <a:ln>
+            <a:noFill/>
+          </a:ln>
+        </p:spPr>
+        <p:txBody>
+          <a:bodyPr wrap="none" lIns="45643" tIns="22821" rIns="45643" bIns="22821" rtlCol="0">
+            <a:spAutoFit/>
+          </a:bodyPr>
+          <a:lstStyle/>
+          <a:p>
+            <a:pPr algn="l">
+              <a:lnSpc>
+                <a:spcPct val="90000"/>
+              </a:lnSpc>
+            </a:pPr>
+            <a:r>
+              <a:rPr lang="en-US" sz="1400" dirty="0" smtClean="0">
+                <a:solidFill>
+                  <a:schemeClr val="accent2"/>
+                </a:solidFill>
+                <a:latin typeface="Arial"/>
+                <a:cs typeface="Arial"/>
+              </a:rPr>
+              <a:t>1</a:t>
+            </a:r>
+            <a:endParaRPr lang="en-US" sz="1400" dirty="0" smtClean="0">
               <a:solidFill>
                 <a:schemeClr val="accent2"/>
               </a:solidFill>
@@ -12404,7 +12166,7 @@
   <a:extraClrSchemeLst/>
   <a:extLst>
     <a:ext uri="{05A4C25C-085E-4340-85A3-A5531E510DB2}">
-      <thm15:themeFamily xmlns:thm15="http://schemas.microsoft.com/office/thememl/2012/main" xmlns="" name="LATEST_PP-420001 Template_DNP1.potx" id="{C975E7DE-76AB-4592-B4F3-286B9B62D84D}" vid="{DA7756F1-40CB-405D-9F51-3278B39E364F}"/>
+      <thm15:themeFamily xmlns="" xmlns:thm15="http://schemas.microsoft.com/office/thememl/2012/main" name="LATEST_PP-420001 Template_DNP1.potx" id="{C975E7DE-76AB-4592-B4F3-286B9B62D84D}" vid="{DA7756F1-40CB-405D-9F51-3278B39E364F}"/>
     </a:ext>
   </a:extLst>
 </a:theme>
